--- a/Python Basics Cntd.pptx
+++ b/Python Basics Cntd.pptx
@@ -24,7 +24,15 @@
     <p:sldId id="274" r:id="rId18"/>
     <p:sldId id="272" r:id="rId19"/>
     <p:sldId id="275" r:id="rId20"/>
-    <p:sldId id="273" r:id="rId21"/>
+    <p:sldId id="276" r:id="rId21"/>
+    <p:sldId id="273" r:id="rId22"/>
+    <p:sldId id="277" r:id="rId23"/>
+    <p:sldId id="278" r:id="rId24"/>
+    <p:sldId id="279" r:id="rId25"/>
+    <p:sldId id="280" r:id="rId26"/>
+    <p:sldId id="281" r:id="rId27"/>
+    <p:sldId id="282" r:id="rId28"/>
+    <p:sldId id="283" r:id="rId29"/>
   </p:sldIdLst>
   <p:sldSz cx="12192000" cy="6858000"/>
   <p:notesSz cx="6858000" cy="9144000"/>
@@ -123,6 +131,11 @@
       </a:defRPr>
     </a:lvl9pPr>
   </p:defaultTextStyle>
+  <p:extLst>
+    <p:ext uri="{EFAFB233-063F-42B5-8137-9DF3F51BA10A}">
+      <p15:sldGuideLst xmlns:p15="http://schemas.microsoft.com/office/powerpoint/2012/main"/>
+    </p:ext>
+  </p:extLst>
 </p:presentation>
 </file>
 
@@ -257,7 +270,7 @@
           <a:p>
             <a:fld id="{4B8CD526-7EB6-4C7B-8066-5867F6965A91}" type="datetimeFigureOut">
               <a:rPr lang="en-US" smtClean="0"/>
-              <a:t>10/22/2017</a:t>
+              <a:t>10/25/2017</a:t>
             </a:fld>
             <a:endParaRPr lang="en-US"/>
           </a:p>
@@ -427,7 +440,7 @@
           <a:p>
             <a:fld id="{4B8CD526-7EB6-4C7B-8066-5867F6965A91}" type="datetimeFigureOut">
               <a:rPr lang="en-US" smtClean="0"/>
-              <a:t>10/22/2017</a:t>
+              <a:t>10/25/2017</a:t>
             </a:fld>
             <a:endParaRPr lang="en-US"/>
           </a:p>
@@ -607,7 +620,7 @@
           <a:p>
             <a:fld id="{4B8CD526-7EB6-4C7B-8066-5867F6965A91}" type="datetimeFigureOut">
               <a:rPr lang="en-US" smtClean="0"/>
-              <a:t>10/22/2017</a:t>
+              <a:t>10/25/2017</a:t>
             </a:fld>
             <a:endParaRPr lang="en-US"/>
           </a:p>
@@ -777,7 +790,7 @@
           <a:p>
             <a:fld id="{4B8CD526-7EB6-4C7B-8066-5867F6965A91}" type="datetimeFigureOut">
               <a:rPr lang="en-US" smtClean="0"/>
-              <a:t>10/22/2017</a:t>
+              <a:t>10/25/2017</a:t>
             </a:fld>
             <a:endParaRPr lang="en-US"/>
           </a:p>
@@ -1023,7 +1036,7 @@
           <a:p>
             <a:fld id="{4B8CD526-7EB6-4C7B-8066-5867F6965A91}" type="datetimeFigureOut">
               <a:rPr lang="en-US" smtClean="0"/>
-              <a:t>10/22/2017</a:t>
+              <a:t>10/25/2017</a:t>
             </a:fld>
             <a:endParaRPr lang="en-US"/>
           </a:p>
@@ -1255,7 +1268,7 @@
           <a:p>
             <a:fld id="{4B8CD526-7EB6-4C7B-8066-5867F6965A91}" type="datetimeFigureOut">
               <a:rPr lang="en-US" smtClean="0"/>
-              <a:t>10/22/2017</a:t>
+              <a:t>10/25/2017</a:t>
             </a:fld>
             <a:endParaRPr lang="en-US"/>
           </a:p>
@@ -1622,7 +1635,7 @@
           <a:p>
             <a:fld id="{4B8CD526-7EB6-4C7B-8066-5867F6965A91}" type="datetimeFigureOut">
               <a:rPr lang="en-US" smtClean="0"/>
-              <a:t>10/22/2017</a:t>
+              <a:t>10/25/2017</a:t>
             </a:fld>
             <a:endParaRPr lang="en-US"/>
           </a:p>
@@ -1740,7 +1753,7 @@
           <a:p>
             <a:fld id="{4B8CD526-7EB6-4C7B-8066-5867F6965A91}" type="datetimeFigureOut">
               <a:rPr lang="en-US" smtClean="0"/>
-              <a:t>10/22/2017</a:t>
+              <a:t>10/25/2017</a:t>
             </a:fld>
             <a:endParaRPr lang="en-US"/>
           </a:p>
@@ -1835,7 +1848,7 @@
           <a:p>
             <a:fld id="{4B8CD526-7EB6-4C7B-8066-5867F6965A91}" type="datetimeFigureOut">
               <a:rPr lang="en-US" smtClean="0"/>
-              <a:t>10/22/2017</a:t>
+              <a:t>10/25/2017</a:t>
             </a:fld>
             <a:endParaRPr lang="en-US"/>
           </a:p>
@@ -2112,7 +2125,7 @@
           <a:p>
             <a:fld id="{4B8CD526-7EB6-4C7B-8066-5867F6965A91}" type="datetimeFigureOut">
               <a:rPr lang="en-US" smtClean="0"/>
-              <a:t>10/22/2017</a:t>
+              <a:t>10/25/2017</a:t>
             </a:fld>
             <a:endParaRPr lang="en-US"/>
           </a:p>
@@ -2365,7 +2378,7 @@
           <a:p>
             <a:fld id="{4B8CD526-7EB6-4C7B-8066-5867F6965A91}" type="datetimeFigureOut">
               <a:rPr lang="en-US" smtClean="0"/>
-              <a:t>10/22/2017</a:t>
+              <a:t>10/25/2017</a:t>
             </a:fld>
             <a:endParaRPr lang="en-US"/>
           </a:p>
@@ -2578,7 +2591,7 @@
           <a:p>
             <a:fld id="{4B8CD526-7EB6-4C7B-8066-5867F6965A91}" type="datetimeFigureOut">
               <a:rPr lang="en-US" smtClean="0"/>
-              <a:t>10/22/2017</a:t>
+              <a:t>10/25/2017</a:t>
             </a:fld>
             <a:endParaRPr lang="en-US"/>
           </a:p>
@@ -4409,7 +4422,7 @@
         </p:spPr>
         <p:txBody>
           <a:bodyPr>
-            <a:normAutofit fontScale="77500" lnSpcReduction="20000"/>
+            <a:normAutofit fontScale="70000" lnSpcReduction="20000"/>
           </a:bodyPr>
           <a:lstStyle/>
           <a:p>
@@ -4566,7 +4579,24 @@
             </a:r>
             <a:r>
               <a:rPr lang="en-US" dirty="0" smtClean="0"/>
-              <a:t> extension) as f</a:t>
+              <a:t> extension) as </a:t>
+            </a:r>
+            <a:r>
+              <a:rPr lang="en-US" dirty="0" smtClean="0"/>
+              <a:t>f</a:t>
+            </a:r>
+          </a:p>
+          <a:p>
+            <a:pPr marL="0" indent="0">
+              <a:buNone/>
+            </a:pPr>
+            <a:r>
+              <a:rPr lang="en-US" dirty="0" smtClean="0"/>
+              <a:t>&gt;&gt;&gt; from file import </a:t>
+            </a:r>
+            <a:r>
+              <a:rPr lang="en-US" dirty="0" err="1" smtClean="0"/>
+              <a:t>funtionname</a:t>
             </a:r>
             <a:endParaRPr lang="en-US" dirty="0"/>
           </a:p>
@@ -4893,6 +4923,97 @@
             <p:ph idx="1"/>
           </p:nvPr>
         </p:nvSpPr>
+        <p:spPr/>
+        <p:txBody>
+          <a:bodyPr/>
+          <a:lstStyle/>
+          <a:p>
+            <a:r>
+              <a:rPr lang="en-US" dirty="0"/>
+              <a:t>A module can contain executable statements as well as function definitions. </a:t>
+            </a:r>
+            <a:endParaRPr lang="en-US" dirty="0" smtClean="0"/>
+          </a:p>
+          <a:p>
+            <a:r>
+              <a:rPr lang="en-US" dirty="0" smtClean="0"/>
+              <a:t>These </a:t>
+            </a:r>
+            <a:r>
+              <a:rPr lang="en-US" dirty="0"/>
+              <a:t>statements are intended to initialize the module. </a:t>
+            </a:r>
+            <a:endParaRPr lang="en-US" dirty="0" smtClean="0"/>
+          </a:p>
+          <a:p>
+            <a:r>
+              <a:rPr lang="en-US" dirty="0" smtClean="0"/>
+              <a:t>They </a:t>
+            </a:r>
+            <a:r>
+              <a:rPr lang="en-US" dirty="0"/>
+              <a:t>are executed only the </a:t>
+            </a:r>
+            <a:r>
+              <a:rPr lang="en-US" i="1" dirty="0"/>
+              <a:t>first</a:t>
+            </a:r>
+            <a:r>
+              <a:rPr lang="en-US" dirty="0"/>
+              <a:t> time the module name is encountered in an import statement.  (</a:t>
+            </a:r>
+            <a:r>
+              <a:rPr lang="en-US" dirty="0" smtClean="0"/>
+              <a:t>They </a:t>
+            </a:r>
+            <a:r>
+              <a:rPr lang="en-US" dirty="0"/>
+              <a:t>also run if the file is executed as a script.)</a:t>
+            </a:r>
+            <a:endParaRPr lang="en-US" dirty="0"/>
+          </a:p>
+        </p:txBody>
+      </p:sp>
+    </p:spTree>
+    <p:extLst>
+      <p:ext uri="{BB962C8B-B14F-4D97-AF65-F5344CB8AC3E}">
+        <p14:creationId xmlns:p14="http://schemas.microsoft.com/office/powerpoint/2010/main" val="3549121010"/>
+      </p:ext>
+    </p:extLst>
+  </p:cSld>
+  <p:clrMapOvr>
+    <a:masterClrMapping/>
+  </p:clrMapOvr>
+</p:sld>
+</file>
+
+<file path=ppt/slides/slide21.xml><?xml version="1.0" encoding="utf-8"?>
+<p:sld xmlns:a="http://schemas.openxmlformats.org/drawingml/2006/main" xmlns:r="http://schemas.openxmlformats.org/officeDocument/2006/relationships" xmlns:p="http://schemas.openxmlformats.org/presentationml/2006/main">
+  <p:cSld>
+    <p:spTree>
+      <p:nvGrpSpPr>
+        <p:cNvPr id="1" name=""/>
+        <p:cNvGrpSpPr/>
+        <p:nvPr/>
+      </p:nvGrpSpPr>
+      <p:grpSpPr>
+        <a:xfrm>
+          <a:off x="0" y="0"/>
+          <a:ext cx="0" cy="0"/>
+          <a:chOff x="0" y="0"/>
+          <a:chExt cx="0" cy="0"/>
+        </a:xfrm>
+      </p:grpSpPr>
+      <p:sp>
+        <p:nvSpPr>
+          <p:cNvPr id="3" name="Content Placeholder 2"/>
+          <p:cNvSpPr>
+            <a:spLocks noGrp="1"/>
+          </p:cNvSpPr>
+          <p:nvPr>
+            <p:ph idx="1"/>
+          </p:nvPr>
+        </p:nvSpPr>
         <p:spPr>
           <a:xfrm>
             <a:off x="838200" y="353291"/>
@@ -4977,6 +5098,1393 @@
     <p:extLst>
       <p:ext uri="{BB962C8B-B14F-4D97-AF65-F5344CB8AC3E}">
         <p14:creationId xmlns:p14="http://schemas.microsoft.com/office/powerpoint/2010/main" val="820876858"/>
+      </p:ext>
+    </p:extLst>
+  </p:cSld>
+  <p:clrMapOvr>
+    <a:masterClrMapping/>
+  </p:clrMapOvr>
+</p:sld>
+</file>
+
+<file path=ppt/slides/slide22.xml><?xml version="1.0" encoding="utf-8"?>
+<p:sld xmlns:a="http://schemas.openxmlformats.org/drawingml/2006/main" xmlns:r="http://schemas.openxmlformats.org/officeDocument/2006/relationships" xmlns:p="http://schemas.openxmlformats.org/presentationml/2006/main">
+  <p:cSld>
+    <p:spTree>
+      <p:nvGrpSpPr>
+        <p:cNvPr id="1" name=""/>
+        <p:cNvGrpSpPr/>
+        <p:nvPr/>
+      </p:nvGrpSpPr>
+      <p:grpSpPr>
+        <a:xfrm>
+          <a:off x="0" y="0"/>
+          <a:ext cx="0" cy="0"/>
+          <a:chOff x="0" y="0"/>
+          <a:chExt cx="0" cy="0"/>
+        </a:xfrm>
+      </p:grpSpPr>
+      <p:sp>
+        <p:nvSpPr>
+          <p:cNvPr id="2" name="Title 1"/>
+          <p:cNvSpPr>
+            <a:spLocks noGrp="1"/>
+          </p:cNvSpPr>
+          <p:nvPr>
+            <p:ph type="title"/>
+          </p:nvPr>
+        </p:nvSpPr>
+        <p:spPr/>
+        <p:txBody>
+          <a:bodyPr/>
+          <a:lstStyle/>
+          <a:p>
+            <a:r>
+              <a:rPr lang="en-US" dirty="0" smtClean="0"/>
+              <a:t>Module search</a:t>
+            </a:r>
+            <a:endParaRPr lang="en-US" dirty="0"/>
+          </a:p>
+        </p:txBody>
+      </p:sp>
+      <p:sp>
+        <p:nvSpPr>
+          <p:cNvPr id="3" name="Content Placeholder 2"/>
+          <p:cNvSpPr>
+            <a:spLocks noGrp="1"/>
+          </p:cNvSpPr>
+          <p:nvPr>
+            <p:ph idx="1"/>
+          </p:nvPr>
+        </p:nvSpPr>
+        <p:spPr/>
+        <p:txBody>
+          <a:bodyPr/>
+          <a:lstStyle/>
+          <a:p>
+            <a:r>
+              <a:rPr lang="en-US" dirty="0" smtClean="0"/>
+              <a:t>If a module is imported</a:t>
+            </a:r>
+          </a:p>
+          <a:p>
+            <a:pPr lvl="1"/>
+            <a:r>
+              <a:rPr lang="en-US" dirty="0" smtClean="0"/>
+              <a:t>Interpreter looks for it in a built-in module with the given name.</a:t>
+            </a:r>
+          </a:p>
+          <a:p>
+            <a:pPr lvl="1"/>
+            <a:r>
+              <a:rPr lang="en-US" dirty="0" smtClean="0"/>
+              <a:t>If not found it will search for name.py in the list of directories given by the variable </a:t>
+            </a:r>
+            <a:r>
+              <a:rPr lang="en-US" dirty="0" err="1" smtClean="0"/>
+              <a:t>sys.path</a:t>
+            </a:r>
+            <a:endParaRPr lang="en-US" dirty="0"/>
+          </a:p>
+        </p:txBody>
+      </p:sp>
+    </p:spTree>
+    <p:extLst>
+      <p:ext uri="{BB962C8B-B14F-4D97-AF65-F5344CB8AC3E}">
+        <p14:creationId xmlns:p14="http://schemas.microsoft.com/office/powerpoint/2010/main" val="2572426083"/>
+      </p:ext>
+    </p:extLst>
+  </p:cSld>
+  <p:clrMapOvr>
+    <a:masterClrMapping/>
+  </p:clrMapOvr>
+</p:sld>
+</file>
+
+<file path=ppt/slides/slide23.xml><?xml version="1.0" encoding="utf-8"?>
+<p:sld xmlns:a="http://schemas.openxmlformats.org/drawingml/2006/main" xmlns:r="http://schemas.openxmlformats.org/officeDocument/2006/relationships" xmlns:p="http://schemas.openxmlformats.org/presentationml/2006/main">
+  <p:cSld>
+    <p:spTree>
+      <p:nvGrpSpPr>
+        <p:cNvPr id="1" name=""/>
+        <p:cNvGrpSpPr/>
+        <p:nvPr/>
+      </p:nvGrpSpPr>
+      <p:grpSpPr>
+        <a:xfrm>
+          <a:off x="0" y="0"/>
+          <a:ext cx="0" cy="0"/>
+          <a:chOff x="0" y="0"/>
+          <a:chExt cx="0" cy="0"/>
+        </a:xfrm>
+      </p:grpSpPr>
+      <p:sp>
+        <p:nvSpPr>
+          <p:cNvPr id="2" name="Title 1"/>
+          <p:cNvSpPr>
+            <a:spLocks noGrp="1"/>
+          </p:cNvSpPr>
+          <p:nvPr>
+            <p:ph type="title"/>
+          </p:nvPr>
+        </p:nvSpPr>
+        <p:spPr/>
+        <p:txBody>
+          <a:bodyPr/>
+          <a:lstStyle/>
+          <a:p>
+            <a:r>
+              <a:rPr lang="en-US" dirty="0" smtClean="0"/>
+              <a:t>Compiled Python Files</a:t>
+            </a:r>
+            <a:endParaRPr lang="en-US" dirty="0"/>
+          </a:p>
+        </p:txBody>
+      </p:sp>
+      <p:sp>
+        <p:nvSpPr>
+          <p:cNvPr id="3" name="Content Placeholder 2"/>
+          <p:cNvSpPr>
+            <a:spLocks noGrp="1"/>
+          </p:cNvSpPr>
+          <p:nvPr>
+            <p:ph idx="1"/>
+          </p:nvPr>
+        </p:nvSpPr>
+        <p:spPr/>
+        <p:txBody>
+          <a:bodyPr/>
+          <a:lstStyle/>
+          <a:p>
+            <a:r>
+              <a:rPr lang="en-US" dirty="0"/>
+              <a:t>To speed up loading modules, Python caches the compiled version of each module in the __</a:t>
+            </a:r>
+            <a:r>
+              <a:rPr lang="en-US" dirty="0" err="1"/>
+              <a:t>pycache</a:t>
+            </a:r>
+            <a:r>
+              <a:rPr lang="en-US" dirty="0"/>
+              <a:t>__ directory under the name </a:t>
+            </a:r>
+            <a:r>
+              <a:rPr lang="en-US" dirty="0" err="1" smtClean="0"/>
+              <a:t>module.version.pyc</a:t>
+            </a:r>
+            <a:endParaRPr lang="en-US" dirty="0" smtClean="0"/>
+          </a:p>
+          <a:p>
+            <a:r>
+              <a:rPr lang="en-US" dirty="0" smtClean="0"/>
+              <a:t>The </a:t>
+            </a:r>
+            <a:r>
+              <a:rPr lang="en-US" dirty="0"/>
+              <a:t>version encodes the format of the compiled </a:t>
+            </a:r>
+            <a:r>
+              <a:rPr lang="en-US" dirty="0" smtClean="0"/>
+              <a:t>file which usually holds version number.</a:t>
+            </a:r>
+          </a:p>
+          <a:p>
+            <a:r>
+              <a:rPr lang="en-US" dirty="0"/>
+              <a:t>You can use the -O or -OO switches on the Python command to reduce the size of a compiled module</a:t>
+            </a:r>
+            <a:r>
+              <a:rPr lang="en-US" dirty="0" smtClean="0"/>
+              <a:t>.</a:t>
+            </a:r>
+          </a:p>
+          <a:p>
+            <a:r>
+              <a:rPr lang="en-US" dirty="0"/>
+              <a:t>The -O switch removes assert statements, the -OO switch removes both assert statements and __doc__ strings.</a:t>
+            </a:r>
+          </a:p>
+        </p:txBody>
+      </p:sp>
+      <p:cxnSp>
+        <p:nvCxnSpPr>
+          <p:cNvPr id="6" name="Straight Arrow Connector 5"/>
+          <p:cNvCxnSpPr/>
+          <p:nvPr/>
+        </p:nvCxnSpPr>
+        <p:spPr>
+          <a:xfrm flipV="1">
+            <a:off x="2244436" y="3002973"/>
+            <a:ext cx="301337" cy="228600"/>
+          </a:xfrm>
+          <a:prstGeom prst="straightConnector1">
+            <a:avLst/>
+          </a:prstGeom>
+          <a:ln>
+            <a:tailEnd type="triangle"/>
+          </a:ln>
+        </p:spPr>
+        <p:style>
+          <a:lnRef idx="1">
+            <a:schemeClr val="accent1"/>
+          </a:lnRef>
+          <a:fillRef idx="0">
+            <a:schemeClr val="accent1"/>
+          </a:fillRef>
+          <a:effectRef idx="0">
+            <a:schemeClr val="accent1"/>
+          </a:effectRef>
+          <a:fontRef idx="minor">
+            <a:schemeClr val="tx1"/>
+          </a:fontRef>
+        </p:style>
+      </p:cxnSp>
+    </p:spTree>
+    <p:extLst>
+      <p:ext uri="{BB962C8B-B14F-4D97-AF65-F5344CB8AC3E}">
+        <p14:creationId xmlns:p14="http://schemas.microsoft.com/office/powerpoint/2010/main" val="1208478626"/>
+      </p:ext>
+    </p:extLst>
+  </p:cSld>
+  <p:clrMapOvr>
+    <a:masterClrMapping/>
+  </p:clrMapOvr>
+</p:sld>
+</file>
+
+<file path=ppt/slides/slide24.xml><?xml version="1.0" encoding="utf-8"?>
+<p:sld xmlns:a="http://schemas.openxmlformats.org/drawingml/2006/main" xmlns:r="http://schemas.openxmlformats.org/officeDocument/2006/relationships" xmlns:p="http://schemas.openxmlformats.org/presentationml/2006/main">
+  <p:cSld>
+    <p:spTree>
+      <p:nvGrpSpPr>
+        <p:cNvPr id="1" name=""/>
+        <p:cNvGrpSpPr/>
+        <p:nvPr/>
+      </p:nvGrpSpPr>
+      <p:grpSpPr>
+        <a:xfrm>
+          <a:off x="0" y="0"/>
+          <a:ext cx="0" cy="0"/>
+          <a:chOff x="0" y="0"/>
+          <a:chExt cx="0" cy="0"/>
+        </a:xfrm>
+      </p:grpSpPr>
+      <p:sp>
+        <p:nvSpPr>
+          <p:cNvPr id="2" name="Title 1"/>
+          <p:cNvSpPr>
+            <a:spLocks noGrp="1"/>
+          </p:cNvSpPr>
+          <p:nvPr>
+            <p:ph type="title"/>
+          </p:nvPr>
+        </p:nvSpPr>
+        <p:spPr/>
+        <p:txBody>
+          <a:bodyPr/>
+          <a:lstStyle/>
+          <a:p>
+            <a:r>
+              <a:rPr lang="en-US" dirty="0" smtClean="0"/>
+              <a:t>Assert statements</a:t>
+            </a:r>
+            <a:endParaRPr lang="en-US" dirty="0"/>
+          </a:p>
+        </p:txBody>
+      </p:sp>
+      <p:sp>
+        <p:nvSpPr>
+          <p:cNvPr id="3" name="Content Placeholder 2"/>
+          <p:cNvSpPr>
+            <a:spLocks noGrp="1"/>
+          </p:cNvSpPr>
+          <p:nvPr>
+            <p:ph idx="1"/>
+          </p:nvPr>
+        </p:nvSpPr>
+        <p:spPr/>
+        <p:txBody>
+          <a:bodyPr/>
+          <a:lstStyle/>
+          <a:p>
+            <a:pPr marL="0" indent="0">
+              <a:buNone/>
+            </a:pPr>
+            <a:r>
+              <a:rPr lang="en-US" dirty="0" err="1"/>
+              <a:t>def</a:t>
+            </a:r>
+            <a:r>
+              <a:rPr lang="en-US" dirty="0"/>
+              <a:t> </a:t>
+            </a:r>
+            <a:r>
+              <a:rPr lang="en-US" dirty="0" err="1"/>
+              <a:t>KelvinToFahrenheit</a:t>
+            </a:r>
+            <a:r>
+              <a:rPr lang="en-US" dirty="0"/>
+              <a:t>(Temperature):</a:t>
+            </a:r>
+          </a:p>
+          <a:p>
+            <a:pPr marL="0" indent="0">
+              <a:buNone/>
+            </a:pPr>
+            <a:r>
+              <a:rPr lang="en-US" dirty="0"/>
+              <a:t>   assert (Temperature &gt;= 0),"Colder than absolute zero!"</a:t>
+            </a:r>
+          </a:p>
+          <a:p>
+            <a:pPr marL="0" indent="0">
+              <a:buNone/>
+            </a:pPr>
+            <a:r>
+              <a:rPr lang="en-US" dirty="0"/>
+              <a:t>   return ((Temperature-273)*1.8)+32</a:t>
+            </a:r>
+          </a:p>
+          <a:p>
+            <a:pPr marL="0" indent="0">
+              <a:buNone/>
+            </a:pPr>
+            <a:endParaRPr lang="en-US" dirty="0"/>
+          </a:p>
+          <a:p>
+            <a:pPr marL="0" indent="0">
+              <a:buNone/>
+            </a:pPr>
+            <a:r>
+              <a:rPr lang="en-US" dirty="0"/>
+              <a:t>print </a:t>
+            </a:r>
+            <a:r>
+              <a:rPr lang="en-US" dirty="0" err="1"/>
+              <a:t>KelvinToFahrenheit</a:t>
+            </a:r>
+            <a:r>
+              <a:rPr lang="en-US" dirty="0"/>
+              <a:t>(273)</a:t>
+            </a:r>
+          </a:p>
+          <a:p>
+            <a:pPr marL="0" indent="0">
+              <a:buNone/>
+            </a:pPr>
+            <a:r>
+              <a:rPr lang="en-US" dirty="0"/>
+              <a:t>print </a:t>
+            </a:r>
+            <a:r>
+              <a:rPr lang="en-US" dirty="0" err="1"/>
+              <a:t>int</a:t>
+            </a:r>
+            <a:r>
+              <a:rPr lang="en-US" dirty="0"/>
+              <a:t>(</a:t>
+            </a:r>
+            <a:r>
+              <a:rPr lang="en-US" dirty="0" err="1"/>
+              <a:t>KelvinToFahrenheit</a:t>
+            </a:r>
+            <a:r>
+              <a:rPr lang="en-US" dirty="0"/>
+              <a:t>(505.78))</a:t>
+            </a:r>
+          </a:p>
+          <a:p>
+            <a:pPr marL="0" indent="0">
+              <a:buNone/>
+            </a:pPr>
+            <a:r>
+              <a:rPr lang="en-US" dirty="0"/>
+              <a:t>print </a:t>
+            </a:r>
+            <a:r>
+              <a:rPr lang="en-US" dirty="0" err="1"/>
+              <a:t>KelvinToFahrenheit</a:t>
+            </a:r>
+            <a:r>
+              <a:rPr lang="en-US" dirty="0"/>
+              <a:t>(-5</a:t>
+            </a:r>
+            <a:r>
+              <a:rPr lang="en-US" dirty="0" smtClean="0"/>
+              <a:t>)</a:t>
+            </a:r>
+          </a:p>
+          <a:p>
+            <a:pPr marL="0" indent="0">
+              <a:buNone/>
+            </a:pPr>
+            <a:endParaRPr lang="en-US" dirty="0"/>
+          </a:p>
+        </p:txBody>
+      </p:sp>
+    </p:spTree>
+    <p:extLst>
+      <p:ext uri="{BB962C8B-B14F-4D97-AF65-F5344CB8AC3E}">
+        <p14:creationId xmlns:p14="http://schemas.microsoft.com/office/powerpoint/2010/main" val="3479971674"/>
+      </p:ext>
+    </p:extLst>
+  </p:cSld>
+  <p:clrMapOvr>
+    <a:masterClrMapping/>
+  </p:clrMapOvr>
+</p:sld>
+</file>
+
+<file path=ppt/slides/slide25.xml><?xml version="1.0" encoding="utf-8"?>
+<p:sld xmlns:a="http://schemas.openxmlformats.org/drawingml/2006/main" xmlns:r="http://schemas.openxmlformats.org/officeDocument/2006/relationships" xmlns:p="http://schemas.openxmlformats.org/presentationml/2006/main">
+  <p:cSld>
+    <p:spTree>
+      <p:nvGrpSpPr>
+        <p:cNvPr id="1" name=""/>
+        <p:cNvGrpSpPr/>
+        <p:nvPr/>
+      </p:nvGrpSpPr>
+      <p:grpSpPr>
+        <a:xfrm>
+          <a:off x="0" y="0"/>
+          <a:ext cx="0" cy="0"/>
+          <a:chOff x="0" y="0"/>
+          <a:chExt cx="0" cy="0"/>
+        </a:xfrm>
+      </p:grpSpPr>
+      <p:sp>
+        <p:nvSpPr>
+          <p:cNvPr id="3" name="Content Placeholder 2"/>
+          <p:cNvSpPr>
+            <a:spLocks noGrp="1"/>
+          </p:cNvSpPr>
+          <p:nvPr>
+            <p:ph idx="1"/>
+          </p:nvPr>
+        </p:nvSpPr>
+        <p:spPr/>
+        <p:txBody>
+          <a:bodyPr/>
+          <a:lstStyle/>
+          <a:p>
+            <a:pPr marL="0" indent="0">
+              <a:buNone/>
+            </a:pPr>
+            <a:r>
+              <a:rPr lang="en-US" dirty="0"/>
+              <a:t>32.0</a:t>
+            </a:r>
+          </a:p>
+          <a:p>
+            <a:pPr marL="0" indent="0">
+              <a:buNone/>
+            </a:pPr>
+            <a:r>
+              <a:rPr lang="en-US" dirty="0"/>
+              <a:t>451</a:t>
+            </a:r>
+          </a:p>
+          <a:p>
+            <a:pPr marL="0" indent="0">
+              <a:buNone/>
+            </a:pPr>
+            <a:r>
+              <a:rPr lang="en-US" dirty="0" err="1"/>
+              <a:t>Traceback</a:t>
+            </a:r>
+            <a:r>
+              <a:rPr lang="en-US" dirty="0"/>
+              <a:t> (most recent call last):</a:t>
+            </a:r>
+          </a:p>
+          <a:p>
+            <a:pPr marL="0" indent="0">
+              <a:buNone/>
+            </a:pPr>
+            <a:r>
+              <a:rPr lang="en-US" dirty="0"/>
+              <a:t>   File "test.py", line 9, in &lt;module&gt;</a:t>
+            </a:r>
+          </a:p>
+          <a:p>
+            <a:pPr marL="0" indent="0">
+              <a:buNone/>
+            </a:pPr>
+            <a:r>
+              <a:rPr lang="en-US" dirty="0"/>
+              <a:t>      print </a:t>
+            </a:r>
+            <a:r>
+              <a:rPr lang="en-US" dirty="0" err="1"/>
+              <a:t>KelvinToFahrenheit</a:t>
+            </a:r>
+            <a:r>
+              <a:rPr lang="en-US" dirty="0"/>
+              <a:t>(-5)</a:t>
+            </a:r>
+          </a:p>
+          <a:p>
+            <a:pPr marL="0" indent="0">
+              <a:buNone/>
+            </a:pPr>
+            <a:r>
+              <a:rPr lang="en-US" dirty="0"/>
+              <a:t>   File "test.py", line 4, in </a:t>
+            </a:r>
+            <a:r>
+              <a:rPr lang="en-US" dirty="0" err="1"/>
+              <a:t>KelvinToFahrenheit</a:t>
+            </a:r>
+            <a:endParaRPr lang="en-US" dirty="0"/>
+          </a:p>
+          <a:p>
+            <a:pPr marL="0" indent="0">
+              <a:buNone/>
+            </a:pPr>
+            <a:r>
+              <a:rPr lang="en-US" dirty="0"/>
+              <a:t>      assert (Temperature &gt;= 0),"Colder than absolute zero!"</a:t>
+            </a:r>
+          </a:p>
+          <a:p>
+            <a:pPr marL="0" indent="0">
+              <a:buNone/>
+            </a:pPr>
+            <a:r>
+              <a:rPr lang="en-US" dirty="0" err="1"/>
+              <a:t>AssertionError</a:t>
+            </a:r>
+            <a:r>
+              <a:rPr lang="en-US" dirty="0"/>
+              <a:t>: Colder than absolute zero!</a:t>
+            </a:r>
+          </a:p>
+          <a:p>
+            <a:pPr marL="0" indent="0">
+              <a:buNone/>
+            </a:pPr>
+            <a:endParaRPr lang="en-US" dirty="0"/>
+          </a:p>
+        </p:txBody>
+      </p:sp>
+    </p:spTree>
+    <p:extLst>
+      <p:ext uri="{BB962C8B-B14F-4D97-AF65-F5344CB8AC3E}">
+        <p14:creationId xmlns:p14="http://schemas.microsoft.com/office/powerpoint/2010/main" val="1777644146"/>
+      </p:ext>
+    </p:extLst>
+  </p:cSld>
+  <p:clrMapOvr>
+    <a:masterClrMapping/>
+  </p:clrMapOvr>
+</p:sld>
+</file>
+
+<file path=ppt/slides/slide26.xml><?xml version="1.0" encoding="utf-8"?>
+<p:sld xmlns:a="http://schemas.openxmlformats.org/drawingml/2006/main" xmlns:r="http://schemas.openxmlformats.org/officeDocument/2006/relationships" xmlns:p="http://schemas.openxmlformats.org/presentationml/2006/main">
+  <p:cSld>
+    <p:spTree>
+      <p:nvGrpSpPr>
+        <p:cNvPr id="1" name=""/>
+        <p:cNvGrpSpPr/>
+        <p:nvPr/>
+      </p:nvGrpSpPr>
+      <p:grpSpPr>
+        <a:xfrm>
+          <a:off x="0" y="0"/>
+          <a:ext cx="0" cy="0"/>
+          <a:chOff x="0" y="0"/>
+          <a:chExt cx="0" cy="0"/>
+        </a:xfrm>
+      </p:grpSpPr>
+      <p:sp>
+        <p:nvSpPr>
+          <p:cNvPr id="2" name="Title 1"/>
+          <p:cNvSpPr>
+            <a:spLocks noGrp="1"/>
+          </p:cNvSpPr>
+          <p:nvPr>
+            <p:ph type="title"/>
+          </p:nvPr>
+        </p:nvSpPr>
+        <p:spPr/>
+        <p:txBody>
+          <a:bodyPr/>
+          <a:lstStyle/>
+          <a:p>
+            <a:r>
+              <a:rPr lang="en-US" dirty="0" smtClean="0"/>
+              <a:t>Standard Modules</a:t>
+            </a:r>
+            <a:endParaRPr lang="en-US" dirty="0"/>
+          </a:p>
+        </p:txBody>
+      </p:sp>
+      <p:sp>
+        <p:nvSpPr>
+          <p:cNvPr id="3" name="Content Placeholder 2"/>
+          <p:cNvSpPr>
+            <a:spLocks noGrp="1"/>
+          </p:cNvSpPr>
+          <p:nvPr>
+            <p:ph idx="1"/>
+          </p:nvPr>
+        </p:nvSpPr>
+        <p:spPr>
+          <a:xfrm>
+            <a:off x="838200" y="1444336"/>
+            <a:ext cx="10515600" cy="4732627"/>
+          </a:xfrm>
+        </p:spPr>
+        <p:txBody>
+          <a:bodyPr>
+            <a:normAutofit/>
+          </a:bodyPr>
+          <a:lstStyle/>
+          <a:p>
+            <a:r>
+              <a:rPr lang="en-US" dirty="0"/>
+              <a:t>Python comes with a library of </a:t>
+            </a:r>
+            <a:r>
+              <a:rPr lang="en-US" dirty="0" smtClean="0"/>
+              <a:t>standard modules</a:t>
+            </a:r>
+            <a:endParaRPr lang="en-US" dirty="0"/>
+          </a:p>
+          <a:p>
+            <a:r>
+              <a:rPr lang="en-US" dirty="0" smtClean="0"/>
+              <a:t>Task: List out popular standard modules</a:t>
+            </a:r>
+            <a:endParaRPr lang="en-US" dirty="0"/>
+          </a:p>
+          <a:p>
+            <a:r>
+              <a:rPr lang="en-US" dirty="0"/>
+              <a:t> built in, either for efficiency or to provide access to operating system primitives such as system </a:t>
+            </a:r>
+            <a:r>
+              <a:rPr lang="en-US" dirty="0" smtClean="0"/>
+              <a:t>calls</a:t>
+            </a:r>
+          </a:p>
+          <a:p>
+            <a:endParaRPr lang="en-US" dirty="0"/>
+          </a:p>
+          <a:p>
+            <a:r>
+              <a:rPr lang="en-US" dirty="0"/>
+              <a:t>For example, the </a:t>
+            </a:r>
+            <a:r>
+              <a:rPr lang="en-US" dirty="0" err="1"/>
+              <a:t>winreg</a:t>
+            </a:r>
+            <a:r>
+              <a:rPr lang="en-US" dirty="0"/>
+              <a:t> module is only provided on Windows </a:t>
+            </a:r>
+            <a:r>
+              <a:rPr lang="en-US" dirty="0" smtClean="0"/>
+              <a:t>systems</a:t>
+            </a:r>
+          </a:p>
+          <a:p>
+            <a:endParaRPr lang="en-US" dirty="0" smtClean="0"/>
+          </a:p>
+          <a:p>
+            <a:r>
+              <a:rPr lang="en-US" dirty="0" smtClean="0"/>
+              <a:t>Task: Something about sys module is worth knowing</a:t>
+            </a:r>
+            <a:endParaRPr lang="en-US" dirty="0"/>
+          </a:p>
+        </p:txBody>
+      </p:sp>
+    </p:spTree>
+    <p:extLst>
+      <p:ext uri="{BB962C8B-B14F-4D97-AF65-F5344CB8AC3E}">
+        <p14:creationId xmlns:p14="http://schemas.microsoft.com/office/powerpoint/2010/main" val="302896306"/>
+      </p:ext>
+    </p:extLst>
+  </p:cSld>
+  <p:clrMapOvr>
+    <a:masterClrMapping/>
+  </p:clrMapOvr>
+</p:sld>
+</file>
+
+<file path=ppt/slides/slide27.xml><?xml version="1.0" encoding="utf-8"?>
+<p:sld xmlns:a="http://schemas.openxmlformats.org/drawingml/2006/main" xmlns:r="http://schemas.openxmlformats.org/officeDocument/2006/relationships" xmlns:p="http://schemas.openxmlformats.org/presentationml/2006/main">
+  <p:cSld>
+    <p:spTree>
+      <p:nvGrpSpPr>
+        <p:cNvPr id="1" name=""/>
+        <p:cNvGrpSpPr/>
+        <p:nvPr/>
+      </p:nvGrpSpPr>
+      <p:grpSpPr>
+        <a:xfrm>
+          <a:off x="0" y="0"/>
+          <a:ext cx="0" cy="0"/>
+          <a:chOff x="0" y="0"/>
+          <a:chExt cx="0" cy="0"/>
+        </a:xfrm>
+      </p:grpSpPr>
+      <p:sp>
+        <p:nvSpPr>
+          <p:cNvPr id="2" name="Title 1"/>
+          <p:cNvSpPr>
+            <a:spLocks noGrp="1"/>
+          </p:cNvSpPr>
+          <p:nvPr>
+            <p:ph type="title"/>
+          </p:nvPr>
+        </p:nvSpPr>
+        <p:spPr/>
+        <p:txBody>
+          <a:bodyPr/>
+          <a:lstStyle/>
+          <a:p>
+            <a:r>
+              <a:rPr lang="en-US" dirty="0"/>
+              <a:t>The </a:t>
+            </a:r>
+            <a:r>
+              <a:rPr lang="en-US" dirty="0" err="1"/>
+              <a:t>dir</a:t>
+            </a:r>
+            <a:r>
+              <a:rPr lang="en-US" dirty="0"/>
+              <a:t>() Function</a:t>
+            </a:r>
+          </a:p>
+        </p:txBody>
+      </p:sp>
+      <p:sp>
+        <p:nvSpPr>
+          <p:cNvPr id="3" name="Content Placeholder 2"/>
+          <p:cNvSpPr>
+            <a:spLocks noGrp="1"/>
+          </p:cNvSpPr>
+          <p:nvPr>
+            <p:ph idx="1"/>
+          </p:nvPr>
+        </p:nvSpPr>
+        <p:spPr>
+          <a:xfrm>
+            <a:off x="838200" y="1454727"/>
+            <a:ext cx="10515600" cy="4722236"/>
+          </a:xfrm>
+        </p:spPr>
+        <p:txBody>
+          <a:bodyPr>
+            <a:normAutofit fontScale="77500" lnSpcReduction="20000"/>
+          </a:bodyPr>
+          <a:lstStyle/>
+          <a:p>
+            <a:endParaRPr lang="en-US" dirty="0" smtClean="0"/>
+          </a:p>
+          <a:p>
+            <a:r>
+              <a:rPr lang="en-US" dirty="0" smtClean="0"/>
+              <a:t>The </a:t>
+            </a:r>
+            <a:r>
+              <a:rPr lang="en-US" dirty="0"/>
+              <a:t>built-in function </a:t>
+            </a:r>
+            <a:r>
+              <a:rPr lang="en-US" dirty="0" err="1"/>
+              <a:t>dir</a:t>
+            </a:r>
+            <a:r>
+              <a:rPr lang="en-US" dirty="0"/>
+              <a:t>() is used to find out which names a module defines. It returns a sorted list of strings:</a:t>
+            </a:r>
+            <a:endParaRPr lang="en-US" dirty="0" smtClean="0"/>
+          </a:p>
+          <a:p>
+            <a:r>
+              <a:rPr lang="en-US" dirty="0" smtClean="0"/>
+              <a:t>&gt;&gt;&gt; </a:t>
+            </a:r>
+            <a:r>
+              <a:rPr lang="en-US" dirty="0" err="1"/>
+              <a:t>dir</a:t>
+            </a:r>
+            <a:r>
+              <a:rPr lang="en-US" dirty="0"/>
+              <a:t>(sys)</a:t>
+            </a:r>
+          </a:p>
+          <a:p>
+            <a:r>
+              <a:rPr lang="en-US" dirty="0"/>
+              <a:t>['__</a:t>
+            </a:r>
+            <a:r>
+              <a:rPr lang="en-US" dirty="0" err="1"/>
+              <a:t>displayhook</a:t>
+            </a:r>
+            <a:r>
+              <a:rPr lang="en-US" dirty="0"/>
+              <a:t>__', '__doc__', '__</a:t>
+            </a:r>
+            <a:r>
+              <a:rPr lang="en-US" dirty="0" err="1"/>
+              <a:t>excepthook</a:t>
+            </a:r>
+            <a:r>
+              <a:rPr lang="en-US" dirty="0"/>
+              <a:t>__', '__name__', '__package__', '__</a:t>
+            </a:r>
+            <a:r>
+              <a:rPr lang="en-US" dirty="0" err="1"/>
+              <a:t>stderr</a:t>
+            </a:r>
+            <a:r>
+              <a:rPr lang="en-US" dirty="0"/>
+              <a:t>__', '__</a:t>
+            </a:r>
+            <a:r>
+              <a:rPr lang="en-US" dirty="0" err="1"/>
+              <a:t>stdin</a:t>
+            </a:r>
+            <a:r>
+              <a:rPr lang="en-US" dirty="0"/>
+              <a:t>__', '__</a:t>
+            </a:r>
+            <a:r>
+              <a:rPr lang="en-US" dirty="0" err="1"/>
+              <a:t>stdout</a:t>
+            </a:r>
+            <a:r>
+              <a:rPr lang="en-US" dirty="0"/>
+              <a:t>__', '_</a:t>
+            </a:r>
+            <a:r>
+              <a:rPr lang="en-US" dirty="0" err="1"/>
+              <a:t>clear_type_cache</a:t>
+            </a:r>
+            <a:r>
+              <a:rPr lang="en-US" dirty="0"/>
+              <a:t>', '_</a:t>
+            </a:r>
+            <a:r>
+              <a:rPr lang="en-US" dirty="0" err="1"/>
+              <a:t>current_frames</a:t>
+            </a:r>
+            <a:r>
+              <a:rPr lang="en-US" dirty="0"/>
+              <a:t>', '_</a:t>
+            </a:r>
+            <a:r>
+              <a:rPr lang="en-US" dirty="0" err="1"/>
+              <a:t>getframe</a:t>
+            </a:r>
+            <a:r>
+              <a:rPr lang="en-US" dirty="0"/>
+              <a:t>', '_mercurial', '</a:t>
+            </a:r>
+            <a:r>
+              <a:rPr lang="en-US" dirty="0" err="1"/>
+              <a:t>api_version</a:t>
+            </a:r>
+            <a:r>
+              <a:rPr lang="en-US" dirty="0"/>
+              <a:t>', '</a:t>
+            </a:r>
+            <a:r>
+              <a:rPr lang="en-US" dirty="0" err="1"/>
+              <a:t>argv</a:t>
+            </a:r>
+            <a:r>
+              <a:rPr lang="en-US" dirty="0"/>
+              <a:t>', '</a:t>
+            </a:r>
+            <a:r>
+              <a:rPr lang="en-US" dirty="0" err="1"/>
+              <a:t>builtin_module_names</a:t>
+            </a:r>
+            <a:r>
+              <a:rPr lang="en-US" dirty="0"/>
+              <a:t>', '</a:t>
+            </a:r>
+            <a:r>
+              <a:rPr lang="en-US" dirty="0" err="1"/>
+              <a:t>byteorder</a:t>
+            </a:r>
+            <a:r>
+              <a:rPr lang="en-US" dirty="0"/>
+              <a:t>', '</a:t>
+            </a:r>
+            <a:r>
+              <a:rPr lang="en-US" dirty="0" err="1"/>
+              <a:t>call_tracing</a:t>
+            </a:r>
+            <a:r>
+              <a:rPr lang="en-US" dirty="0"/>
+              <a:t>', '</a:t>
+            </a:r>
+            <a:r>
+              <a:rPr lang="en-US" dirty="0" err="1"/>
+              <a:t>callstats</a:t>
+            </a:r>
+            <a:r>
+              <a:rPr lang="en-US" dirty="0"/>
+              <a:t>', 'copyright', '</a:t>
+            </a:r>
+            <a:r>
+              <a:rPr lang="en-US" dirty="0" err="1"/>
+              <a:t>displayhook</a:t>
+            </a:r>
+            <a:r>
+              <a:rPr lang="en-US" dirty="0"/>
+              <a:t>', '</a:t>
+            </a:r>
+            <a:r>
+              <a:rPr lang="en-US" dirty="0" err="1"/>
+              <a:t>dllhandle</a:t>
+            </a:r>
+            <a:r>
+              <a:rPr lang="en-US" dirty="0"/>
+              <a:t>', '</a:t>
+            </a:r>
+            <a:r>
+              <a:rPr lang="en-US" dirty="0" err="1"/>
+              <a:t>dont_write_bytecode</a:t>
+            </a:r>
+            <a:r>
+              <a:rPr lang="en-US" dirty="0"/>
+              <a:t>', '</a:t>
+            </a:r>
+            <a:r>
+              <a:rPr lang="en-US" dirty="0" err="1"/>
+              <a:t>exc_clear</a:t>
+            </a:r>
+            <a:r>
+              <a:rPr lang="en-US" dirty="0"/>
+              <a:t>', '</a:t>
+            </a:r>
+            <a:r>
+              <a:rPr lang="en-US" dirty="0" err="1"/>
+              <a:t>exc_info</a:t>
+            </a:r>
+            <a:r>
+              <a:rPr lang="en-US" dirty="0"/>
+              <a:t>', '</a:t>
+            </a:r>
+            <a:r>
+              <a:rPr lang="en-US" dirty="0" err="1"/>
+              <a:t>exc_traceback</a:t>
+            </a:r>
+            <a:r>
+              <a:rPr lang="en-US" dirty="0"/>
+              <a:t>', '</a:t>
+            </a:r>
+            <a:r>
+              <a:rPr lang="en-US" dirty="0" err="1"/>
+              <a:t>exc_type</a:t>
+            </a:r>
+            <a:r>
+              <a:rPr lang="en-US" dirty="0"/>
+              <a:t>', '</a:t>
+            </a:r>
+            <a:r>
+              <a:rPr lang="en-US" dirty="0" err="1"/>
+              <a:t>exc_value</a:t>
+            </a:r>
+            <a:r>
+              <a:rPr lang="en-US" dirty="0"/>
+              <a:t>', '</a:t>
+            </a:r>
+            <a:r>
+              <a:rPr lang="en-US" dirty="0" err="1"/>
+              <a:t>excepthook</a:t>
+            </a:r>
+            <a:r>
+              <a:rPr lang="en-US" dirty="0"/>
+              <a:t>', '</a:t>
+            </a:r>
+            <a:r>
+              <a:rPr lang="en-US" dirty="0" err="1"/>
+              <a:t>exec_prefix</a:t>
+            </a:r>
+            <a:r>
+              <a:rPr lang="en-US" dirty="0"/>
+              <a:t>', 'executable', 'exit', 'flags', '</a:t>
+            </a:r>
+            <a:r>
+              <a:rPr lang="en-US" dirty="0" err="1"/>
+              <a:t>float_info</a:t>
+            </a:r>
+            <a:r>
+              <a:rPr lang="en-US" dirty="0"/>
+              <a:t>', '</a:t>
+            </a:r>
+            <a:r>
+              <a:rPr lang="en-US" dirty="0" err="1"/>
+              <a:t>float_repr_style</a:t>
+            </a:r>
+            <a:r>
+              <a:rPr lang="en-US" dirty="0"/>
+              <a:t>', '</a:t>
+            </a:r>
+            <a:r>
+              <a:rPr lang="en-US" dirty="0" err="1"/>
+              <a:t>getcheckinterval</a:t>
+            </a:r>
+            <a:r>
+              <a:rPr lang="en-US" dirty="0"/>
+              <a:t>', '</a:t>
+            </a:r>
+            <a:r>
+              <a:rPr lang="en-US" dirty="0" err="1"/>
+              <a:t>getdefaultencoding</a:t>
+            </a:r>
+            <a:r>
+              <a:rPr lang="en-US" dirty="0"/>
+              <a:t>', '</a:t>
+            </a:r>
+            <a:r>
+              <a:rPr lang="en-US" dirty="0" err="1"/>
+              <a:t>getfilesystemencoding</a:t>
+            </a:r>
+            <a:r>
+              <a:rPr lang="en-US" dirty="0"/>
+              <a:t>', '</a:t>
+            </a:r>
+            <a:r>
+              <a:rPr lang="en-US" dirty="0" err="1"/>
+              <a:t>getprofile</a:t>
+            </a:r>
+            <a:r>
+              <a:rPr lang="en-US" dirty="0"/>
+              <a:t>', '</a:t>
+            </a:r>
+            <a:r>
+              <a:rPr lang="en-US" dirty="0" err="1"/>
+              <a:t>getrecursionlimit</a:t>
+            </a:r>
+            <a:r>
+              <a:rPr lang="en-US" dirty="0"/>
+              <a:t>', '</a:t>
+            </a:r>
+            <a:r>
+              <a:rPr lang="en-US" dirty="0" err="1"/>
+              <a:t>getrefcount</a:t>
+            </a:r>
+            <a:r>
+              <a:rPr lang="en-US" dirty="0"/>
+              <a:t>', '</a:t>
+            </a:r>
+            <a:r>
+              <a:rPr lang="en-US" dirty="0" err="1"/>
+              <a:t>getsizeof</a:t>
+            </a:r>
+            <a:r>
+              <a:rPr lang="en-US" dirty="0"/>
+              <a:t>', '</a:t>
+            </a:r>
+            <a:r>
+              <a:rPr lang="en-US" dirty="0" err="1"/>
+              <a:t>gettrace</a:t>
+            </a:r>
+            <a:r>
+              <a:rPr lang="en-US" dirty="0"/>
+              <a:t>', '</a:t>
+            </a:r>
+            <a:r>
+              <a:rPr lang="en-US" dirty="0" err="1"/>
+              <a:t>getwindowsversion</a:t>
+            </a:r>
+            <a:r>
+              <a:rPr lang="en-US" dirty="0"/>
+              <a:t>', '</a:t>
+            </a:r>
+            <a:r>
+              <a:rPr lang="en-US" dirty="0" err="1"/>
+              <a:t>hexversion</a:t>
+            </a:r>
+            <a:r>
+              <a:rPr lang="en-US" dirty="0"/>
+              <a:t>', '</a:t>
+            </a:r>
+            <a:r>
+              <a:rPr lang="en-US" dirty="0" err="1"/>
+              <a:t>last_traceback</a:t>
+            </a:r>
+            <a:r>
+              <a:rPr lang="en-US" dirty="0"/>
+              <a:t>', '</a:t>
+            </a:r>
+            <a:r>
+              <a:rPr lang="en-US" dirty="0" err="1"/>
+              <a:t>last_type</a:t>
+            </a:r>
+            <a:r>
+              <a:rPr lang="en-US" dirty="0"/>
+              <a:t>', '</a:t>
+            </a:r>
+            <a:r>
+              <a:rPr lang="en-US" dirty="0" err="1"/>
+              <a:t>last_value</a:t>
+            </a:r>
+            <a:r>
+              <a:rPr lang="en-US" dirty="0"/>
+              <a:t>', '</a:t>
+            </a:r>
+            <a:r>
+              <a:rPr lang="en-US" dirty="0" err="1"/>
+              <a:t>long_info</a:t>
+            </a:r>
+            <a:r>
+              <a:rPr lang="en-US" dirty="0"/>
+              <a:t>', '</a:t>
+            </a:r>
+            <a:r>
+              <a:rPr lang="en-US" dirty="0" err="1"/>
+              <a:t>maxint</a:t>
+            </a:r>
+            <a:r>
+              <a:rPr lang="en-US" dirty="0"/>
+              <a:t>', '</a:t>
+            </a:r>
+            <a:r>
+              <a:rPr lang="en-US" dirty="0" err="1"/>
+              <a:t>maxsize</a:t>
+            </a:r>
+            <a:r>
+              <a:rPr lang="en-US" dirty="0"/>
+              <a:t>', '</a:t>
+            </a:r>
+            <a:r>
+              <a:rPr lang="en-US" dirty="0" err="1"/>
+              <a:t>maxunicode</a:t>
+            </a:r>
+            <a:r>
+              <a:rPr lang="en-US" dirty="0"/>
+              <a:t>', '</a:t>
+            </a:r>
+            <a:r>
+              <a:rPr lang="en-US" dirty="0" err="1"/>
+              <a:t>meta_path</a:t>
+            </a:r>
+            <a:r>
+              <a:rPr lang="en-US" dirty="0"/>
+              <a:t>', 'modules', 'path', '</a:t>
+            </a:r>
+            <a:r>
+              <a:rPr lang="en-US" dirty="0" err="1"/>
+              <a:t>path_hooks</a:t>
+            </a:r>
+            <a:r>
+              <a:rPr lang="en-US" dirty="0"/>
+              <a:t>', '</a:t>
+            </a:r>
+            <a:r>
+              <a:rPr lang="en-US" dirty="0" err="1"/>
+              <a:t>path_importer_cache</a:t>
+            </a:r>
+            <a:r>
+              <a:rPr lang="en-US" dirty="0"/>
+              <a:t>', 'platform', 'prefix', 'py3kwarning', '</a:t>
+            </a:r>
+            <a:r>
+              <a:rPr lang="en-US" dirty="0" err="1"/>
+              <a:t>setcheckinterval</a:t>
+            </a:r>
+            <a:r>
+              <a:rPr lang="en-US" dirty="0"/>
+              <a:t>', '</a:t>
+            </a:r>
+            <a:r>
+              <a:rPr lang="en-US" dirty="0" err="1"/>
+              <a:t>setprofile</a:t>
+            </a:r>
+            <a:r>
+              <a:rPr lang="en-US" dirty="0"/>
+              <a:t>', '</a:t>
+            </a:r>
+            <a:r>
+              <a:rPr lang="en-US" dirty="0" err="1"/>
+              <a:t>setrecursionlimit</a:t>
+            </a:r>
+            <a:r>
+              <a:rPr lang="en-US" dirty="0"/>
+              <a:t>', '</a:t>
+            </a:r>
+            <a:r>
+              <a:rPr lang="en-US" dirty="0" err="1"/>
+              <a:t>settrace</a:t>
+            </a:r>
+            <a:r>
+              <a:rPr lang="en-US" dirty="0"/>
+              <a:t>', '</a:t>
+            </a:r>
+            <a:r>
+              <a:rPr lang="en-US" dirty="0" err="1"/>
+              <a:t>stderr</a:t>
+            </a:r>
+            <a:r>
+              <a:rPr lang="en-US" dirty="0"/>
+              <a:t>', '</a:t>
+            </a:r>
+            <a:r>
+              <a:rPr lang="en-US" dirty="0" err="1"/>
+              <a:t>stdin</a:t>
+            </a:r>
+            <a:r>
+              <a:rPr lang="en-US" dirty="0"/>
+              <a:t>', '</a:t>
+            </a:r>
+            <a:r>
+              <a:rPr lang="en-US" dirty="0" err="1"/>
+              <a:t>stdout</a:t>
+            </a:r>
+            <a:r>
+              <a:rPr lang="en-US" dirty="0"/>
+              <a:t>', 'subversion', 'version', '</a:t>
+            </a:r>
+            <a:r>
+              <a:rPr lang="en-US" dirty="0" err="1"/>
+              <a:t>version_info</a:t>
+            </a:r>
+            <a:r>
+              <a:rPr lang="en-US" dirty="0"/>
+              <a:t>', '</a:t>
+            </a:r>
+            <a:r>
+              <a:rPr lang="en-US" dirty="0" err="1"/>
+              <a:t>warnoptions</a:t>
+            </a:r>
+            <a:r>
+              <a:rPr lang="en-US" dirty="0"/>
+              <a:t>', '</a:t>
+            </a:r>
+            <a:r>
+              <a:rPr lang="en-US" dirty="0" err="1"/>
+              <a:t>winver</a:t>
+            </a:r>
+            <a:r>
+              <a:rPr lang="en-US" dirty="0"/>
+              <a:t>']</a:t>
+            </a:r>
+          </a:p>
+          <a:p>
+            <a:r>
+              <a:rPr lang="en-US" dirty="0"/>
+              <a:t>&gt;&gt;&gt;</a:t>
+            </a:r>
+          </a:p>
+        </p:txBody>
+      </p:sp>
+    </p:spTree>
+    <p:extLst>
+      <p:ext uri="{BB962C8B-B14F-4D97-AF65-F5344CB8AC3E}">
+        <p14:creationId xmlns:p14="http://schemas.microsoft.com/office/powerpoint/2010/main" val="1398529490"/>
+      </p:ext>
+    </p:extLst>
+  </p:cSld>
+  <p:clrMapOvr>
+    <a:masterClrMapping/>
+  </p:clrMapOvr>
+</p:sld>
+</file>
+
+<file path=ppt/slides/slide28.xml><?xml version="1.0" encoding="utf-8"?>
+<p:sld xmlns:a="http://schemas.openxmlformats.org/drawingml/2006/main" xmlns:r="http://schemas.openxmlformats.org/officeDocument/2006/relationships" xmlns:p="http://schemas.openxmlformats.org/presentationml/2006/main">
+  <p:cSld>
+    <p:spTree>
+      <p:nvGrpSpPr>
+        <p:cNvPr id="1" name=""/>
+        <p:cNvGrpSpPr/>
+        <p:nvPr/>
+      </p:nvGrpSpPr>
+      <p:grpSpPr>
+        <a:xfrm>
+          <a:off x="0" y="0"/>
+          <a:ext cx="0" cy="0"/>
+          <a:chOff x="0" y="0"/>
+          <a:chExt cx="0" cy="0"/>
+        </a:xfrm>
+      </p:grpSpPr>
+      <p:sp>
+        <p:nvSpPr>
+          <p:cNvPr id="2" name="Title 1"/>
+          <p:cNvSpPr>
+            <a:spLocks noGrp="1"/>
+          </p:cNvSpPr>
+          <p:nvPr>
+            <p:ph type="title"/>
+          </p:nvPr>
+        </p:nvSpPr>
+        <p:spPr/>
+        <p:txBody>
+          <a:bodyPr/>
+          <a:lstStyle/>
+          <a:p>
+            <a:r>
+              <a:rPr lang="en-US" dirty="0" smtClean="0"/>
+              <a:t>Package</a:t>
+            </a:r>
+            <a:endParaRPr lang="en-US" dirty="0"/>
+          </a:p>
+        </p:txBody>
+      </p:sp>
+      <p:sp>
+        <p:nvSpPr>
+          <p:cNvPr id="3" name="Content Placeholder 2"/>
+          <p:cNvSpPr>
+            <a:spLocks noGrp="1"/>
+          </p:cNvSpPr>
+          <p:nvPr>
+            <p:ph idx="1"/>
+          </p:nvPr>
+        </p:nvSpPr>
+        <p:spPr/>
+        <p:txBody>
+          <a:bodyPr/>
+          <a:lstStyle/>
+          <a:p>
+            <a:r>
+              <a:rPr lang="en-US" dirty="0" smtClean="0"/>
+              <a:t>Collection of modules</a:t>
+            </a:r>
+          </a:p>
+          <a:p>
+            <a:r>
+              <a:rPr lang="en-US" dirty="0"/>
+              <a:t>For example, the module name A.B designates a submodule named B in a package named A</a:t>
+            </a:r>
+            <a:r>
+              <a:rPr lang="en-US" dirty="0" smtClean="0"/>
+              <a:t>.</a:t>
+            </a:r>
+          </a:p>
+          <a:p>
+            <a:r>
+              <a:rPr lang="en-US" dirty="0"/>
+              <a:t>The __init__.py files are required to make Python treat the directories as containing </a:t>
+            </a:r>
+            <a:r>
+              <a:rPr lang="en-US"/>
+              <a:t>packages</a:t>
+            </a:r>
+            <a:r>
+              <a:rPr lang="en-US" smtClean="0"/>
+              <a:t>;</a:t>
+            </a:r>
+            <a:endParaRPr lang="en-US" dirty="0" smtClean="0"/>
+          </a:p>
+        </p:txBody>
+      </p:sp>
+    </p:spTree>
+    <p:extLst>
+      <p:ext uri="{BB962C8B-B14F-4D97-AF65-F5344CB8AC3E}">
+        <p14:creationId xmlns:p14="http://schemas.microsoft.com/office/powerpoint/2010/main" val="3289770091"/>
       </p:ext>
     </p:extLst>
   </p:cSld>
